--- a/Presentation1.pptx
+++ b/Presentation1.pptx
@@ -5,7 +5,8 @@
     <p:sldMasterId id="2147483648" r:id="rId1"/>
   </p:sldMasterIdLst>
   <p:sldIdLst>
-    <p:sldId id="257" r:id="rId2"/>
+    <p:sldId id="259" r:id="rId2"/>
+    <p:sldId id="257" r:id="rId3"/>
   </p:sldIdLst>
   <p:sldSz cx="9144000" cy="6858000" type="screen4x3"/>
   <p:notesSz cx="6858000" cy="9144000"/>
@@ -288,7 +289,7 @@
           <a:p>
             <a:fld id="{E1BAF5D4-5FC1-4CDA-BC71-E257899BEB73}" type="datetimeFigureOut">
               <a:rPr lang="en-US" smtClean="0"/>
-              <a:t>2/8/2015</a:t>
+              <a:t>2/15/2015</a:t>
             </a:fld>
             <a:endParaRPr lang="en-US"/>
           </a:p>
@@ -458,7 +459,7 @@
           <a:p>
             <a:fld id="{E1BAF5D4-5FC1-4CDA-BC71-E257899BEB73}" type="datetimeFigureOut">
               <a:rPr lang="en-US" smtClean="0"/>
-              <a:t>2/8/2015</a:t>
+              <a:t>2/15/2015</a:t>
             </a:fld>
             <a:endParaRPr lang="en-US"/>
           </a:p>
@@ -638,7 +639,7 @@
           <a:p>
             <a:fld id="{E1BAF5D4-5FC1-4CDA-BC71-E257899BEB73}" type="datetimeFigureOut">
               <a:rPr lang="en-US" smtClean="0"/>
-              <a:t>2/8/2015</a:t>
+              <a:t>2/15/2015</a:t>
             </a:fld>
             <a:endParaRPr lang="en-US"/>
           </a:p>
@@ -808,7 +809,7 @@
           <a:p>
             <a:fld id="{E1BAF5D4-5FC1-4CDA-BC71-E257899BEB73}" type="datetimeFigureOut">
               <a:rPr lang="en-US" smtClean="0"/>
-              <a:t>2/8/2015</a:t>
+              <a:t>2/15/2015</a:t>
             </a:fld>
             <a:endParaRPr lang="en-US"/>
           </a:p>
@@ -1054,7 +1055,7 @@
           <a:p>
             <a:fld id="{E1BAF5D4-5FC1-4CDA-BC71-E257899BEB73}" type="datetimeFigureOut">
               <a:rPr lang="en-US" smtClean="0"/>
-              <a:t>2/8/2015</a:t>
+              <a:t>2/15/2015</a:t>
             </a:fld>
             <a:endParaRPr lang="en-US"/>
           </a:p>
@@ -1342,7 +1343,7 @@
           <a:p>
             <a:fld id="{E1BAF5D4-5FC1-4CDA-BC71-E257899BEB73}" type="datetimeFigureOut">
               <a:rPr lang="en-US" smtClean="0"/>
-              <a:t>2/8/2015</a:t>
+              <a:t>2/15/2015</a:t>
             </a:fld>
             <a:endParaRPr lang="en-US"/>
           </a:p>
@@ -1764,7 +1765,7 @@
           <a:p>
             <a:fld id="{E1BAF5D4-5FC1-4CDA-BC71-E257899BEB73}" type="datetimeFigureOut">
               <a:rPr lang="en-US" smtClean="0"/>
-              <a:t>2/8/2015</a:t>
+              <a:t>2/15/2015</a:t>
             </a:fld>
             <a:endParaRPr lang="en-US"/>
           </a:p>
@@ -1882,7 +1883,7 @@
           <a:p>
             <a:fld id="{E1BAF5D4-5FC1-4CDA-BC71-E257899BEB73}" type="datetimeFigureOut">
               <a:rPr lang="en-US" smtClean="0"/>
-              <a:t>2/8/2015</a:t>
+              <a:t>2/15/2015</a:t>
             </a:fld>
             <a:endParaRPr lang="en-US"/>
           </a:p>
@@ -1977,7 +1978,7 @@
           <a:p>
             <a:fld id="{E1BAF5D4-5FC1-4CDA-BC71-E257899BEB73}" type="datetimeFigureOut">
               <a:rPr lang="en-US" smtClean="0"/>
-              <a:t>2/8/2015</a:t>
+              <a:t>2/15/2015</a:t>
             </a:fld>
             <a:endParaRPr lang="en-US"/>
           </a:p>
@@ -2254,7 +2255,7 @@
           <a:p>
             <a:fld id="{E1BAF5D4-5FC1-4CDA-BC71-E257899BEB73}" type="datetimeFigureOut">
               <a:rPr lang="en-US" smtClean="0"/>
-              <a:t>2/8/2015</a:t>
+              <a:t>2/15/2015</a:t>
             </a:fld>
             <a:endParaRPr lang="en-US"/>
           </a:p>
@@ -2507,7 +2508,7 @@
           <a:p>
             <a:fld id="{E1BAF5D4-5FC1-4CDA-BC71-E257899BEB73}" type="datetimeFigureOut">
               <a:rPr lang="en-US" smtClean="0"/>
-              <a:t>2/8/2015</a:t>
+              <a:t>2/15/2015</a:t>
             </a:fld>
             <a:endParaRPr lang="en-US"/>
           </a:p>
@@ -2720,7 +2721,7 @@
           <a:p>
             <a:fld id="{E1BAF5D4-5FC1-4CDA-BC71-E257899BEB73}" type="datetimeFigureOut">
               <a:rPr lang="en-US" smtClean="0"/>
-              <a:t>2/8/2015</a:t>
+              <a:t>2/15/2015</a:t>
             </a:fld>
             <a:endParaRPr lang="en-US"/>
           </a:p>
@@ -3095,6 +3096,1922 @@
           <a:chExt cx="0" cy="0"/>
         </a:xfrm>
       </p:grpSpPr>
+      <mc:AlternateContent xmlns:mc="http://schemas.openxmlformats.org/markup-compatibility/2006" xmlns:a14="http://schemas.microsoft.com/office/drawing/2010/main">
+        <mc:Choice Requires="a14">
+          <p:sp>
+            <p:nvSpPr>
+              <p:cNvPr id="2" name="TextBox 1"/>
+              <p:cNvSpPr txBox="1"/>
+              <p:nvPr/>
+            </p:nvSpPr>
+            <p:spPr>
+              <a:xfrm>
+                <a:off x="3725613" y="2746681"/>
+                <a:ext cx="344517" cy="307777"/>
+              </a:xfrm>
+              <a:prstGeom prst="rect">
+                <a:avLst/>
+              </a:prstGeom>
+              <a:noFill/>
+            </p:spPr>
+            <p:txBody>
+              <a:bodyPr wrap="none" rtlCol="0">
+                <a:spAutoFit/>
+              </a:bodyPr>
+              <a:lstStyle/>
+              <a:p>
+                <a:pPr/>
+                <a14:m>
+                  <m:oMathPara xmlns:m="http://schemas.openxmlformats.org/officeDocument/2006/math">
+                    <m:oMathParaPr>
+                      <m:jc m:val="centerGroup"/>
+                    </m:oMathParaPr>
+                    <m:oMath xmlns:m="http://schemas.openxmlformats.org/officeDocument/2006/math">
+                      <m:r>
+                        <a:rPr lang="en-US" sz="1400" b="0" i="1" dirty="0" smtClean="0">
+                          <a:latin typeface="Cambria Math"/>
+                        </a:rPr>
+                        <m:t>𝑋</m:t>
+                      </m:r>
+                    </m:oMath>
+                  </m:oMathPara>
+                </a14:m>
+                <a:endParaRPr lang="en-US" sz="1400" i="1" dirty="0"/>
+              </a:p>
+            </p:txBody>
+          </p:sp>
+        </mc:Choice>
+        <mc:Fallback xmlns="">
+          <p:sp>
+            <p:nvSpPr>
+              <p:cNvPr id="2" name="TextBox 1"/>
+              <p:cNvSpPr txBox="1">
+                <a:spLocks noRot="1" noChangeAspect="1" noMove="1" noResize="1" noEditPoints="1" noAdjustHandles="1" noChangeArrowheads="1" noChangeShapeType="1" noTextEdit="1"/>
+              </p:cNvSpPr>
+              <p:nvPr/>
+            </p:nvSpPr>
+            <p:spPr>
+              <a:xfrm>
+                <a:off x="3725613" y="2746681"/>
+                <a:ext cx="344517" cy="307777"/>
+              </a:xfrm>
+              <a:prstGeom prst="rect">
+                <a:avLst/>
+              </a:prstGeom>
+              <a:blipFill rotWithShape="1">
+                <a:blip r:embed="rId2"/>
+                <a:stretch>
+                  <a:fillRect/>
+                </a:stretch>
+              </a:blipFill>
+            </p:spPr>
+            <p:txBody>
+              <a:bodyPr/>
+              <a:lstStyle/>
+              <a:p>
+                <a:r>
+                  <a:rPr lang="en-US">
+                    <a:noFill/>
+                  </a:rPr>
+                  <a:t> </a:t>
+                </a:r>
+              </a:p>
+            </p:txBody>
+          </p:sp>
+        </mc:Fallback>
+      </mc:AlternateContent>
+      <mc:AlternateContent xmlns:mc="http://schemas.openxmlformats.org/markup-compatibility/2006" xmlns:a14="http://schemas.microsoft.com/office/drawing/2010/main">
+        <mc:Choice Requires="a14">
+          <p:sp>
+            <p:nvSpPr>
+              <p:cNvPr id="3" name="TextBox 2"/>
+              <p:cNvSpPr txBox="1"/>
+              <p:nvPr/>
+            </p:nvSpPr>
+            <p:spPr>
+              <a:xfrm>
+                <a:off x="2277968" y="1459984"/>
+                <a:ext cx="336502" cy="307777"/>
+              </a:xfrm>
+              <a:prstGeom prst="rect">
+                <a:avLst/>
+              </a:prstGeom>
+              <a:noFill/>
+            </p:spPr>
+            <p:txBody>
+              <a:bodyPr wrap="none" rtlCol="0">
+                <a:spAutoFit/>
+              </a:bodyPr>
+              <a:lstStyle/>
+              <a:p>
+                <a:pPr/>
+                <a14:m>
+                  <m:oMathPara xmlns:m="http://schemas.openxmlformats.org/officeDocument/2006/math">
+                    <m:oMathParaPr>
+                      <m:jc m:val="centerGroup"/>
+                    </m:oMathParaPr>
+                    <m:oMath xmlns:m="http://schemas.openxmlformats.org/officeDocument/2006/math">
+                      <m:r>
+                        <a:rPr lang="en-US" sz="1400" b="0" i="1" dirty="0" smtClean="0">
+                          <a:latin typeface="Cambria Math"/>
+                        </a:rPr>
+                        <m:t>𝑌</m:t>
+                      </m:r>
+                    </m:oMath>
+                  </m:oMathPara>
+                </a14:m>
+                <a:endParaRPr lang="en-US" sz="1400" i="1" dirty="0"/>
+              </a:p>
+            </p:txBody>
+          </p:sp>
+        </mc:Choice>
+        <mc:Fallback xmlns="">
+          <p:sp>
+            <p:nvSpPr>
+              <p:cNvPr id="3" name="TextBox 2"/>
+              <p:cNvSpPr txBox="1">
+                <a:spLocks noRot="1" noChangeAspect="1" noMove="1" noResize="1" noEditPoints="1" noAdjustHandles="1" noChangeArrowheads="1" noChangeShapeType="1" noTextEdit="1"/>
+              </p:cNvSpPr>
+              <p:nvPr/>
+            </p:nvSpPr>
+            <p:spPr>
+              <a:xfrm>
+                <a:off x="2277968" y="1459984"/>
+                <a:ext cx="336502" cy="307777"/>
+              </a:xfrm>
+              <a:prstGeom prst="rect">
+                <a:avLst/>
+              </a:prstGeom>
+              <a:blipFill rotWithShape="1">
+                <a:blip r:embed="rId3"/>
+                <a:stretch>
+                  <a:fillRect/>
+                </a:stretch>
+              </a:blipFill>
+            </p:spPr>
+            <p:txBody>
+              <a:bodyPr/>
+              <a:lstStyle/>
+              <a:p>
+                <a:r>
+                  <a:rPr lang="en-US">
+                    <a:noFill/>
+                  </a:rPr>
+                  <a:t> </a:t>
+                </a:r>
+              </a:p>
+            </p:txBody>
+          </p:sp>
+        </mc:Fallback>
+      </mc:AlternateContent>
+      <mc:AlternateContent xmlns:mc="http://schemas.openxmlformats.org/markup-compatibility/2006" xmlns:a14="http://schemas.microsoft.com/office/drawing/2010/main">
+        <mc:Choice Requires="a14">
+          <p:sp>
+            <p:nvSpPr>
+              <p:cNvPr id="4" name="TextBox 3"/>
+              <p:cNvSpPr txBox="1"/>
+              <p:nvPr/>
+            </p:nvSpPr>
+            <p:spPr>
+              <a:xfrm>
+                <a:off x="7239000" y="3777734"/>
+                <a:ext cx="334900" cy="307777"/>
+              </a:xfrm>
+              <a:prstGeom prst="rect">
+                <a:avLst/>
+              </a:prstGeom>
+              <a:noFill/>
+            </p:spPr>
+            <p:txBody>
+              <a:bodyPr wrap="none" rtlCol="0">
+                <a:spAutoFit/>
+              </a:bodyPr>
+              <a:lstStyle/>
+              <a:p>
+                <a:pPr/>
+                <a14:m>
+                  <m:oMathPara xmlns:m="http://schemas.openxmlformats.org/officeDocument/2006/math">
+                    <m:oMathParaPr>
+                      <m:jc m:val="centerGroup"/>
+                    </m:oMathParaPr>
+                    <m:oMath xmlns:m="http://schemas.openxmlformats.org/officeDocument/2006/math">
+                      <m:r>
+                        <a:rPr lang="en-US" sz="1400" b="0" i="1" dirty="0" smtClean="0">
+                          <a:latin typeface="Cambria Math"/>
+                        </a:rPr>
+                        <m:t>𝑍</m:t>
+                      </m:r>
+                    </m:oMath>
+                  </m:oMathPara>
+                </a14:m>
+                <a:endParaRPr lang="en-US" sz="1400" i="1" dirty="0"/>
+              </a:p>
+            </p:txBody>
+          </p:sp>
+        </mc:Choice>
+        <mc:Fallback xmlns="">
+          <p:sp>
+            <p:nvSpPr>
+              <p:cNvPr id="4" name="TextBox 3"/>
+              <p:cNvSpPr txBox="1">
+                <a:spLocks noRot="1" noChangeAspect="1" noMove="1" noResize="1" noEditPoints="1" noAdjustHandles="1" noChangeArrowheads="1" noChangeShapeType="1" noTextEdit="1"/>
+              </p:cNvSpPr>
+              <p:nvPr/>
+            </p:nvSpPr>
+            <p:spPr>
+              <a:xfrm>
+                <a:off x="7239000" y="3777734"/>
+                <a:ext cx="334900" cy="307777"/>
+              </a:xfrm>
+              <a:prstGeom prst="rect">
+                <a:avLst/>
+              </a:prstGeom>
+              <a:blipFill rotWithShape="1">
+                <a:blip r:embed="rId4"/>
+                <a:stretch>
+                  <a:fillRect/>
+                </a:stretch>
+              </a:blipFill>
+            </p:spPr>
+            <p:txBody>
+              <a:bodyPr/>
+              <a:lstStyle/>
+              <a:p>
+                <a:r>
+                  <a:rPr lang="en-US">
+                    <a:noFill/>
+                  </a:rPr>
+                  <a:t> </a:t>
+                </a:r>
+              </a:p>
+            </p:txBody>
+          </p:sp>
+        </mc:Fallback>
+      </mc:AlternateContent>
+      <p:sp>
+        <p:nvSpPr>
+          <p:cNvPr id="5" name="Oval 4"/>
+          <p:cNvSpPr/>
+          <p:nvPr/>
+        </p:nvSpPr>
+        <p:spPr>
+          <a:xfrm>
+            <a:off x="7063740" y="2567940"/>
+            <a:ext cx="45719" cy="45719"/>
+          </a:xfrm>
+          <a:prstGeom prst="ellipse">
+            <a:avLst/>
+          </a:prstGeom>
+          <a:solidFill>
+            <a:srgbClr val="0000FF"/>
+          </a:solidFill>
+          <a:ln>
+            <a:solidFill>
+              <a:srgbClr val="0000FF"/>
+            </a:solidFill>
+          </a:ln>
+        </p:spPr>
+        <p:style>
+          <a:lnRef idx="2">
+            <a:schemeClr val="accent1">
+              <a:shade val="50000"/>
+            </a:schemeClr>
+          </a:lnRef>
+          <a:fillRef idx="1">
+            <a:schemeClr val="accent1"/>
+          </a:fillRef>
+          <a:effectRef idx="0">
+            <a:schemeClr val="accent1"/>
+          </a:effectRef>
+          <a:fontRef idx="minor">
+            <a:schemeClr val="lt1"/>
+          </a:fontRef>
+        </p:style>
+        <p:txBody>
+          <a:bodyPr rtlCol="0" anchor="ctr"/>
+          <a:lstStyle/>
+          <a:p>
+            <a:pPr algn="ctr"/>
+            <a:endParaRPr lang="en-US"/>
+          </a:p>
+        </p:txBody>
+      </p:sp>
+      <mc:AlternateContent xmlns:mc="http://schemas.openxmlformats.org/markup-compatibility/2006" xmlns:a14="http://schemas.microsoft.com/office/drawing/2010/main">
+        <mc:Choice Requires="a14">
+          <p:sp>
+            <p:nvSpPr>
+              <p:cNvPr id="6" name="TextBox 5"/>
+              <p:cNvSpPr txBox="1"/>
+              <p:nvPr/>
+            </p:nvSpPr>
+            <p:spPr>
+              <a:xfrm>
+                <a:off x="7025640" y="2415346"/>
+                <a:ext cx="847219" cy="659283"/>
+              </a:xfrm>
+              <a:prstGeom prst="rect">
+                <a:avLst/>
+              </a:prstGeom>
+              <a:noFill/>
+            </p:spPr>
+            <p:txBody>
+              <a:bodyPr wrap="none" rtlCol="0">
+                <a:spAutoFit/>
+              </a:bodyPr>
+              <a:lstStyle/>
+              <a:p>
+                <a:pPr/>
+                <a14:m>
+                  <m:oMathPara xmlns:m="http://schemas.openxmlformats.org/officeDocument/2006/math">
+                    <m:oMathParaPr>
+                      <m:jc m:val="centerGroup"/>
+                    </m:oMathParaPr>
+                    <m:oMath xmlns:m="http://schemas.openxmlformats.org/officeDocument/2006/math">
+                      <m:r>
+                        <a:rPr lang="en-US" sz="1400" b="1" i="1" smtClean="0">
+                          <a:latin typeface="Cambria Math"/>
+                        </a:rPr>
+                        <m:t>𝑿</m:t>
+                      </m:r>
+                      <m:r>
+                        <a:rPr lang="en-US" sz="1400" b="0" i="1" smtClean="0">
+                          <a:latin typeface="Cambria Math"/>
+                        </a:rPr>
+                        <m:t>=</m:t>
+                      </m:r>
+                      <m:d>
+                        <m:dPr>
+                          <m:begChr m:val="["/>
+                          <m:endChr m:val="]"/>
+                          <m:ctrlPr>
+                            <a:rPr lang="en-US" sz="1400" b="0" i="1" smtClean="0">
+                              <a:latin typeface="Cambria Math"/>
+                            </a:rPr>
+                          </m:ctrlPr>
+                        </m:dPr>
+                        <m:e>
+                          <m:m>
+                            <m:mPr>
+                              <m:mcs>
+                                <m:mc>
+                                  <m:mcPr>
+                                    <m:count m:val="1"/>
+                                    <m:mcJc m:val="center"/>
+                                  </m:mcPr>
+                                </m:mc>
+                              </m:mcs>
+                              <m:ctrlPr>
+                                <a:rPr lang="en-US" sz="1400" b="0" i="1" smtClean="0">
+                                  <a:latin typeface="Cambria Math"/>
+                                </a:rPr>
+                              </m:ctrlPr>
+                            </m:mPr>
+                            <m:mr>
+                              <m:e>
+                                <m:r>
+                                  <m:rPr>
+                                    <m:brk m:alnAt="7"/>
+                                  </m:rPr>
+                                  <a:rPr lang="en-US" sz="1400" b="0" i="1" smtClean="0">
+                                    <a:latin typeface="Cambria Math"/>
+                                  </a:rPr>
+                                  <m:t>𝑋</m:t>
+                                </m:r>
+                              </m:e>
+                            </m:mr>
+                            <m:mr>
+                              <m:e>
+                                <m:r>
+                                  <a:rPr lang="en-US" sz="1400" b="0" i="1" smtClean="0">
+                                    <a:latin typeface="Cambria Math"/>
+                                  </a:rPr>
+                                  <m:t>𝑌</m:t>
+                                </m:r>
+                              </m:e>
+                            </m:mr>
+                            <m:mr>
+                              <m:e>
+                                <m:r>
+                                  <a:rPr lang="en-US" sz="1400" b="0" i="1" smtClean="0">
+                                    <a:latin typeface="Cambria Math"/>
+                                  </a:rPr>
+                                  <m:t>𝑍</m:t>
+                                </m:r>
+                              </m:e>
+                            </m:mr>
+                          </m:m>
+                        </m:e>
+                      </m:d>
+                    </m:oMath>
+                  </m:oMathPara>
+                </a14:m>
+                <a:endParaRPr lang="en-US" sz="1400" dirty="0"/>
+              </a:p>
+            </p:txBody>
+          </p:sp>
+        </mc:Choice>
+        <mc:Fallback xmlns="">
+          <p:sp>
+            <p:nvSpPr>
+              <p:cNvPr id="6" name="TextBox 5"/>
+              <p:cNvSpPr txBox="1">
+                <a:spLocks noRot="1" noChangeAspect="1" noMove="1" noResize="1" noEditPoints="1" noAdjustHandles="1" noChangeArrowheads="1" noChangeShapeType="1" noTextEdit="1"/>
+              </p:cNvSpPr>
+              <p:nvPr/>
+            </p:nvSpPr>
+            <p:spPr>
+              <a:xfrm>
+                <a:off x="7025640" y="2415346"/>
+                <a:ext cx="847219" cy="659283"/>
+              </a:xfrm>
+              <a:prstGeom prst="rect">
+                <a:avLst/>
+              </a:prstGeom>
+              <a:blipFill rotWithShape="1">
+                <a:blip r:embed="rId5"/>
+                <a:stretch>
+                  <a:fillRect/>
+                </a:stretch>
+              </a:blipFill>
+            </p:spPr>
+            <p:txBody>
+              <a:bodyPr/>
+              <a:lstStyle/>
+              <a:p>
+                <a:r>
+                  <a:rPr lang="en-US">
+                    <a:noFill/>
+                  </a:rPr>
+                  <a:t> </a:t>
+                </a:r>
+              </a:p>
+            </p:txBody>
+          </p:sp>
+        </mc:Fallback>
+      </mc:AlternateContent>
+      <p:sp>
+        <p:nvSpPr>
+          <p:cNvPr id="7" name="Parallelogram 6"/>
+          <p:cNvSpPr/>
+          <p:nvPr/>
+        </p:nvSpPr>
+        <p:spPr>
+          <a:xfrm rot="16200000" flipV="1">
+            <a:off x="882650" y="2787322"/>
+            <a:ext cx="3429000" cy="2350532"/>
+          </a:xfrm>
+          <a:prstGeom prst="parallelogram">
+            <a:avLst>
+              <a:gd name="adj" fmla="val 73632"/>
+            </a:avLst>
+          </a:prstGeom>
+          <a:solidFill>
+            <a:schemeClr val="bg1">
+              <a:lumMod val="95000"/>
+              <a:alpha val="94000"/>
+            </a:schemeClr>
+          </a:solidFill>
+          <a:ln w="9525">
+            <a:solidFill>
+              <a:schemeClr val="tx1"/>
+            </a:solidFill>
+          </a:ln>
+        </p:spPr>
+        <p:style>
+          <a:lnRef idx="2">
+            <a:schemeClr val="accent1">
+              <a:shade val="50000"/>
+            </a:schemeClr>
+          </a:lnRef>
+          <a:fillRef idx="1">
+            <a:schemeClr val="accent1"/>
+          </a:fillRef>
+          <a:effectRef idx="0">
+            <a:schemeClr val="accent1"/>
+          </a:effectRef>
+          <a:fontRef idx="minor">
+            <a:schemeClr val="lt1"/>
+          </a:fontRef>
+        </p:style>
+        <p:txBody>
+          <a:bodyPr rtlCol="0" anchor="ctr"/>
+          <a:lstStyle/>
+          <a:p>
+            <a:pPr algn="ctr"/>
+            <a:endParaRPr lang="en-US"/>
+          </a:p>
+        </p:txBody>
+      </p:sp>
+      <p:sp>
+        <p:nvSpPr>
+          <p:cNvPr id="8" name="Parallelogram 7"/>
+          <p:cNvSpPr/>
+          <p:nvPr/>
+        </p:nvSpPr>
+        <p:spPr>
+          <a:xfrm rot="16200000" flipV="1">
+            <a:off x="2825234" y="2787135"/>
+            <a:ext cx="3429000" cy="2350532"/>
+          </a:xfrm>
+          <a:prstGeom prst="parallelogram">
+            <a:avLst>
+              <a:gd name="adj" fmla="val 73632"/>
+            </a:avLst>
+          </a:prstGeom>
+          <a:solidFill>
+            <a:schemeClr val="accent6">
+              <a:lumMod val="20000"/>
+              <a:lumOff val="80000"/>
+              <a:alpha val="94000"/>
+            </a:schemeClr>
+          </a:solidFill>
+          <a:ln w="9525">
+            <a:solidFill>
+              <a:schemeClr val="tx1"/>
+            </a:solidFill>
+          </a:ln>
+        </p:spPr>
+        <p:style>
+          <a:lnRef idx="2">
+            <a:schemeClr val="accent1">
+              <a:shade val="50000"/>
+            </a:schemeClr>
+          </a:lnRef>
+          <a:fillRef idx="1">
+            <a:schemeClr val="accent1"/>
+          </a:fillRef>
+          <a:effectRef idx="0">
+            <a:schemeClr val="accent1"/>
+          </a:effectRef>
+          <a:fontRef idx="minor">
+            <a:schemeClr val="lt1"/>
+          </a:fontRef>
+        </p:style>
+        <p:txBody>
+          <a:bodyPr rtlCol="0" anchor="ctr"/>
+          <a:lstStyle/>
+          <a:p>
+            <a:pPr algn="ctr"/>
+            <a:endParaRPr lang="en-US"/>
+          </a:p>
+        </p:txBody>
+      </p:sp>
+      <p:sp>
+        <p:nvSpPr>
+          <p:cNvPr id="11" name="Oval 10"/>
+          <p:cNvSpPr/>
+          <p:nvPr/>
+        </p:nvSpPr>
+        <p:spPr>
+          <a:xfrm>
+            <a:off x="4528662" y="3939540"/>
+            <a:ext cx="45719" cy="45719"/>
+          </a:xfrm>
+          <a:prstGeom prst="ellipse">
+            <a:avLst/>
+          </a:prstGeom>
+          <a:solidFill>
+            <a:schemeClr val="tx1"/>
+          </a:solidFill>
+          <a:ln>
+            <a:solidFill>
+              <a:schemeClr val="tx1"/>
+            </a:solidFill>
+          </a:ln>
+        </p:spPr>
+        <p:style>
+          <a:lnRef idx="2">
+            <a:schemeClr val="accent1">
+              <a:shade val="50000"/>
+            </a:schemeClr>
+          </a:lnRef>
+          <a:fillRef idx="1">
+            <a:schemeClr val="accent1"/>
+          </a:fillRef>
+          <a:effectRef idx="0">
+            <a:schemeClr val="accent1"/>
+          </a:effectRef>
+          <a:fontRef idx="minor">
+            <a:schemeClr val="lt1"/>
+          </a:fontRef>
+        </p:style>
+        <p:txBody>
+          <a:bodyPr rtlCol="0" anchor="ctr"/>
+          <a:lstStyle/>
+          <a:p>
+            <a:pPr algn="ctr"/>
+            <a:endParaRPr lang="en-US"/>
+          </a:p>
+        </p:txBody>
+      </p:sp>
+      <p:cxnSp>
+        <p:nvCxnSpPr>
+          <p:cNvPr id="12" name="Straight Connector 11"/>
+          <p:cNvCxnSpPr/>
+          <p:nvPr/>
+        </p:nvCxnSpPr>
+        <p:spPr>
+          <a:xfrm flipV="1">
+            <a:off x="2597150" y="2590800"/>
+            <a:ext cx="4489450" cy="1371599"/>
+          </a:xfrm>
+          <a:prstGeom prst="line">
+            <a:avLst/>
+          </a:prstGeom>
+          <a:ln>
+            <a:solidFill>
+              <a:srgbClr val="0000FF"/>
+            </a:solidFill>
+          </a:ln>
+        </p:spPr>
+        <p:style>
+          <a:lnRef idx="1">
+            <a:schemeClr val="accent1"/>
+          </a:lnRef>
+          <a:fillRef idx="0">
+            <a:schemeClr val="accent1"/>
+          </a:fillRef>
+          <a:effectRef idx="0">
+            <a:schemeClr val="accent1"/>
+          </a:effectRef>
+          <a:fontRef idx="minor">
+            <a:schemeClr val="tx1"/>
+          </a:fontRef>
+        </p:style>
+      </p:cxnSp>
+      <p:sp>
+        <p:nvSpPr>
+          <p:cNvPr id="13" name="Oval 12"/>
+          <p:cNvSpPr/>
+          <p:nvPr/>
+        </p:nvSpPr>
+        <p:spPr>
+          <a:xfrm>
+            <a:off x="5022057" y="3190876"/>
+            <a:ext cx="45719" cy="45719"/>
+          </a:xfrm>
+          <a:prstGeom prst="ellipse">
+            <a:avLst/>
+          </a:prstGeom>
+          <a:solidFill>
+            <a:srgbClr val="0000FF"/>
+          </a:solidFill>
+          <a:ln>
+            <a:solidFill>
+              <a:srgbClr val="0000FF"/>
+            </a:solidFill>
+          </a:ln>
+        </p:spPr>
+        <p:style>
+          <a:lnRef idx="2">
+            <a:schemeClr val="accent1">
+              <a:shade val="50000"/>
+            </a:schemeClr>
+          </a:lnRef>
+          <a:fillRef idx="1">
+            <a:schemeClr val="accent1"/>
+          </a:fillRef>
+          <a:effectRef idx="0">
+            <a:schemeClr val="accent1"/>
+          </a:effectRef>
+          <a:fontRef idx="minor">
+            <a:schemeClr val="lt1"/>
+          </a:fontRef>
+        </p:style>
+        <p:txBody>
+          <a:bodyPr rtlCol="0" anchor="ctr"/>
+          <a:lstStyle/>
+          <a:p>
+            <a:pPr algn="ctr"/>
+            <a:endParaRPr lang="en-US"/>
+          </a:p>
+        </p:txBody>
+      </p:sp>
+      <p:cxnSp>
+        <p:nvCxnSpPr>
+          <p:cNvPr id="14" name="Straight Arrow Connector 13"/>
+          <p:cNvCxnSpPr/>
+          <p:nvPr/>
+        </p:nvCxnSpPr>
+        <p:spPr>
+          <a:xfrm flipV="1">
+            <a:off x="2057400" y="3048000"/>
+            <a:ext cx="1828800" cy="1295400"/>
+          </a:xfrm>
+          <a:prstGeom prst="straightConnector1">
+            <a:avLst/>
+          </a:prstGeom>
+          <a:ln>
+            <a:solidFill>
+              <a:schemeClr val="tx1"/>
+            </a:solidFill>
+            <a:tailEnd type="arrow"/>
+          </a:ln>
+        </p:spPr>
+        <p:style>
+          <a:lnRef idx="1">
+            <a:schemeClr val="accent1"/>
+          </a:lnRef>
+          <a:fillRef idx="0">
+            <a:schemeClr val="accent1"/>
+          </a:fillRef>
+          <a:effectRef idx="0">
+            <a:schemeClr val="accent1"/>
+          </a:effectRef>
+          <a:fontRef idx="minor">
+            <a:schemeClr val="tx1"/>
+          </a:fontRef>
+        </p:style>
+      </p:cxnSp>
+      <p:cxnSp>
+        <p:nvCxnSpPr>
+          <p:cNvPr id="15" name="Straight Arrow Connector 14"/>
+          <p:cNvCxnSpPr/>
+          <p:nvPr/>
+        </p:nvCxnSpPr>
+        <p:spPr>
+          <a:xfrm flipV="1">
+            <a:off x="2597150" y="1676400"/>
+            <a:ext cx="0" cy="2819400"/>
+          </a:xfrm>
+          <a:prstGeom prst="straightConnector1">
+            <a:avLst/>
+          </a:prstGeom>
+          <a:ln>
+            <a:solidFill>
+              <a:schemeClr val="tx1"/>
+            </a:solidFill>
+            <a:tailEnd type="arrow"/>
+          </a:ln>
+        </p:spPr>
+        <p:style>
+          <a:lnRef idx="1">
+            <a:schemeClr val="accent1"/>
+          </a:lnRef>
+          <a:fillRef idx="0">
+            <a:schemeClr val="accent1"/>
+          </a:fillRef>
+          <a:effectRef idx="0">
+            <a:schemeClr val="accent1"/>
+          </a:effectRef>
+          <a:fontRef idx="minor">
+            <a:schemeClr val="tx1"/>
+          </a:fontRef>
+        </p:style>
+      </p:cxnSp>
+      <p:cxnSp>
+        <p:nvCxnSpPr>
+          <p:cNvPr id="16" name="Straight Arrow Connector 15"/>
+          <p:cNvCxnSpPr/>
+          <p:nvPr/>
+        </p:nvCxnSpPr>
+        <p:spPr>
+          <a:xfrm>
+            <a:off x="2057400" y="3962400"/>
+            <a:ext cx="5181600" cy="0"/>
+          </a:xfrm>
+          <a:prstGeom prst="straightConnector1">
+            <a:avLst/>
+          </a:prstGeom>
+          <a:ln>
+            <a:solidFill>
+              <a:schemeClr val="tx1"/>
+            </a:solidFill>
+            <a:tailEnd type="arrow"/>
+          </a:ln>
+        </p:spPr>
+        <p:style>
+          <a:lnRef idx="1">
+            <a:schemeClr val="accent1"/>
+          </a:lnRef>
+          <a:fillRef idx="0">
+            <a:schemeClr val="accent1"/>
+          </a:fillRef>
+          <a:effectRef idx="0">
+            <a:schemeClr val="accent1"/>
+          </a:effectRef>
+          <a:fontRef idx="minor">
+            <a:schemeClr val="tx1"/>
+          </a:fontRef>
+        </p:style>
+      </p:cxnSp>
+      <p:sp>
+        <p:nvSpPr>
+          <p:cNvPr id="17" name="TextBox 16"/>
+          <p:cNvSpPr txBox="1"/>
+          <p:nvPr/>
+        </p:nvSpPr>
+        <p:spPr>
+          <a:xfrm>
+            <a:off x="891799" y="5677088"/>
+            <a:ext cx="1263487" cy="307777"/>
+          </a:xfrm>
+          <a:prstGeom prst="rect">
+            <a:avLst/>
+          </a:prstGeom>
+          <a:noFill/>
+        </p:spPr>
+        <p:txBody>
+          <a:bodyPr wrap="none" rtlCol="0">
+            <a:spAutoFit/>
+          </a:bodyPr>
+          <a:lstStyle/>
+          <a:p>
+            <a:r>
+              <a:rPr lang="en-US" sz="1400" i="1" dirty="0" smtClean="0"/>
+              <a:t>Principal plane</a:t>
+            </a:r>
+            <a:endParaRPr lang="en-US" sz="1400" i="1" dirty="0"/>
+          </a:p>
+        </p:txBody>
+      </p:sp>
+      <p:sp>
+        <p:nvSpPr>
+          <p:cNvPr id="18" name="TextBox 17"/>
+          <p:cNvSpPr txBox="1"/>
+          <p:nvPr/>
+        </p:nvSpPr>
+        <p:spPr>
+          <a:xfrm>
+            <a:off x="3468126" y="5685605"/>
+            <a:ext cx="2062744" cy="307777"/>
+          </a:xfrm>
+          <a:prstGeom prst="rect">
+            <a:avLst/>
+          </a:prstGeom>
+          <a:noFill/>
+        </p:spPr>
+        <p:txBody>
+          <a:bodyPr wrap="none" rtlCol="0">
+            <a:spAutoFit/>
+          </a:bodyPr>
+          <a:lstStyle/>
+          <a:p>
+            <a:r>
+              <a:rPr lang="en-US" sz="1400" i="1" dirty="0" smtClean="0"/>
+              <a:t>Image plane (Focal plane)</a:t>
+            </a:r>
+            <a:endParaRPr lang="en-US" sz="1400" i="1" dirty="0"/>
+          </a:p>
+        </p:txBody>
+      </p:sp>
+      <p:sp>
+        <p:nvSpPr>
+          <p:cNvPr id="19" name="Oval 18"/>
+          <p:cNvSpPr/>
+          <p:nvPr/>
+        </p:nvSpPr>
+        <p:spPr>
+          <a:xfrm>
+            <a:off x="2574290" y="3940491"/>
+            <a:ext cx="45719" cy="45719"/>
+          </a:xfrm>
+          <a:prstGeom prst="ellipse">
+            <a:avLst/>
+          </a:prstGeom>
+          <a:solidFill>
+            <a:schemeClr val="tx1"/>
+          </a:solidFill>
+          <a:ln>
+            <a:solidFill>
+              <a:schemeClr val="tx1"/>
+            </a:solidFill>
+          </a:ln>
+        </p:spPr>
+        <p:style>
+          <a:lnRef idx="2">
+            <a:schemeClr val="accent1">
+              <a:shade val="50000"/>
+            </a:schemeClr>
+          </a:lnRef>
+          <a:fillRef idx="1">
+            <a:schemeClr val="accent1"/>
+          </a:fillRef>
+          <a:effectRef idx="0">
+            <a:schemeClr val="accent1"/>
+          </a:effectRef>
+          <a:fontRef idx="minor">
+            <a:schemeClr val="lt1"/>
+          </a:fontRef>
+        </p:style>
+        <p:txBody>
+          <a:bodyPr rtlCol="0" anchor="ctr"/>
+          <a:lstStyle/>
+          <a:p>
+            <a:pPr algn="ctr"/>
+            <a:endParaRPr lang="en-US"/>
+          </a:p>
+        </p:txBody>
+      </p:sp>
+      <p:sp>
+        <p:nvSpPr>
+          <p:cNvPr id="20" name="TextBox 19"/>
+          <p:cNvSpPr txBox="1"/>
+          <p:nvPr/>
+        </p:nvSpPr>
+        <p:spPr>
+          <a:xfrm>
+            <a:off x="648046" y="3182658"/>
+            <a:ext cx="487506" cy="307777"/>
+          </a:xfrm>
+          <a:prstGeom prst="rect">
+            <a:avLst/>
+          </a:prstGeom>
+          <a:noFill/>
+        </p:spPr>
+        <p:txBody>
+          <a:bodyPr wrap="none" rtlCol="0">
+            <a:spAutoFit/>
+          </a:bodyPr>
+          <a:lstStyle/>
+          <a:p>
+            <a:r>
+              <a:rPr lang="en-US" sz="1400" i="1" dirty="0" smtClean="0"/>
+              <a:t>COP</a:t>
+            </a:r>
+            <a:endParaRPr lang="en-US" sz="1400" i="1" dirty="0"/>
+          </a:p>
+        </p:txBody>
+      </p:sp>
+      <p:sp>
+        <p:nvSpPr>
+          <p:cNvPr id="21" name="TextBox 20"/>
+          <p:cNvSpPr txBox="1"/>
+          <p:nvPr/>
+        </p:nvSpPr>
+        <p:spPr>
+          <a:xfrm>
+            <a:off x="182880" y="3398995"/>
+            <a:ext cx="1481078" cy="738664"/>
+          </a:xfrm>
+          <a:prstGeom prst="rect">
+            <a:avLst/>
+          </a:prstGeom>
+          <a:noFill/>
+        </p:spPr>
+        <p:txBody>
+          <a:bodyPr wrap="square" rtlCol="0">
+            <a:spAutoFit/>
+          </a:bodyPr>
+          <a:lstStyle/>
+          <a:p>
+            <a:r>
+              <a:rPr lang="ja-JP" altLang="en-US" sz="1400" dirty="0" smtClean="0"/>
+              <a:t>または、</a:t>
+            </a:r>
+            <a:r>
+              <a:rPr lang="en-US" altLang="ja-JP" sz="1400" dirty="0" smtClean="0"/>
+              <a:t>optical center</a:t>
+            </a:r>
+            <a:r>
+              <a:rPr lang="ja-JP" altLang="en-US" sz="1400" dirty="0" smtClean="0"/>
+              <a:t>、</a:t>
+            </a:r>
+            <a:r>
+              <a:rPr lang="ja-JP" altLang="en-US" sz="1400" dirty="0"/>
+              <a:t>あるいは</a:t>
+            </a:r>
+            <a:r>
+              <a:rPr lang="ja-JP" altLang="en-US" sz="1400" dirty="0" smtClean="0"/>
+              <a:t>、</a:t>
+            </a:r>
+            <a:r>
+              <a:rPr lang="en-US" altLang="ja-JP" sz="1400" dirty="0" smtClean="0"/>
+              <a:t>camera center</a:t>
+            </a:r>
+            <a:endParaRPr lang="en-US" sz="1400" i="1" dirty="0"/>
+          </a:p>
+        </p:txBody>
+      </p:sp>
+      <p:cxnSp>
+        <p:nvCxnSpPr>
+          <p:cNvPr id="22" name="Straight Arrow Connector 21"/>
+          <p:cNvCxnSpPr/>
+          <p:nvPr/>
+        </p:nvCxnSpPr>
+        <p:spPr>
+          <a:xfrm>
+            <a:off x="1135552" y="3363728"/>
+            <a:ext cx="1438738" cy="567894"/>
+          </a:xfrm>
+          <a:prstGeom prst="straightConnector1">
+            <a:avLst/>
+          </a:prstGeom>
+          <a:ln>
+            <a:prstDash val="sysDot"/>
+            <a:tailEnd type="arrow"/>
+          </a:ln>
+        </p:spPr>
+        <p:style>
+          <a:lnRef idx="1">
+            <a:schemeClr val="accent1"/>
+          </a:lnRef>
+          <a:fillRef idx="0">
+            <a:schemeClr val="accent1"/>
+          </a:fillRef>
+          <a:effectRef idx="0">
+            <a:schemeClr val="accent1"/>
+          </a:effectRef>
+          <a:fontRef idx="minor">
+            <a:schemeClr val="tx1"/>
+          </a:fontRef>
+        </p:style>
+      </p:cxnSp>
+      <mc:AlternateContent xmlns:mc="http://schemas.openxmlformats.org/markup-compatibility/2006" xmlns:a14="http://schemas.microsoft.com/office/drawing/2010/main">
+        <mc:Choice Requires="a14">
+          <p:sp>
+            <p:nvSpPr>
+              <p:cNvPr id="23" name="TextBox 22"/>
+              <p:cNvSpPr txBox="1"/>
+              <p:nvPr/>
+            </p:nvSpPr>
+            <p:spPr>
+              <a:xfrm>
+                <a:off x="5022434" y="3059515"/>
+                <a:ext cx="819455" cy="452624"/>
+              </a:xfrm>
+              <a:prstGeom prst="rect">
+                <a:avLst/>
+              </a:prstGeom>
+              <a:noFill/>
+            </p:spPr>
+            <p:txBody>
+              <a:bodyPr wrap="none" rtlCol="0">
+                <a:spAutoFit/>
+              </a:bodyPr>
+              <a:lstStyle/>
+              <a:p>
+                <a:pPr/>
+                <a14:m>
+                  <m:oMathPara xmlns:m="http://schemas.openxmlformats.org/officeDocument/2006/math">
+                    <m:oMathParaPr>
+                      <m:jc m:val="centerGroup"/>
+                    </m:oMathParaPr>
+                    <m:oMath xmlns:m="http://schemas.openxmlformats.org/officeDocument/2006/math">
+                      <m:r>
+                        <a:rPr lang="en-US" sz="1400" b="1" i="1" smtClean="0">
+                          <a:latin typeface="Cambria Math"/>
+                        </a:rPr>
+                        <m:t>𝒙</m:t>
+                      </m:r>
+                      <m:r>
+                        <a:rPr lang="en-US" sz="1400" b="0" i="1" smtClean="0">
+                          <a:latin typeface="Cambria Math"/>
+                        </a:rPr>
+                        <m:t>=</m:t>
+                      </m:r>
+                      <m:d>
+                        <m:dPr>
+                          <m:begChr m:val="["/>
+                          <m:endChr m:val="]"/>
+                          <m:ctrlPr>
+                            <a:rPr lang="en-US" sz="1400" b="0" i="1" smtClean="0">
+                              <a:latin typeface="Cambria Math"/>
+                            </a:rPr>
+                          </m:ctrlPr>
+                        </m:dPr>
+                        <m:e>
+                          <m:m>
+                            <m:mPr>
+                              <m:mcs>
+                                <m:mc>
+                                  <m:mcPr>
+                                    <m:count m:val="1"/>
+                                    <m:mcJc m:val="center"/>
+                                  </m:mcPr>
+                                </m:mc>
+                              </m:mcs>
+                              <m:ctrlPr>
+                                <a:rPr lang="en-US" sz="1400" b="0" i="1" smtClean="0">
+                                  <a:latin typeface="Cambria Math"/>
+                                </a:rPr>
+                              </m:ctrlPr>
+                            </m:mPr>
+                            <m:mr>
+                              <m:e>
+                                <m:r>
+                                  <a:rPr lang="en-US" sz="1400" b="0" i="1" smtClean="0">
+                                    <a:latin typeface="Cambria Math"/>
+                                  </a:rPr>
+                                  <m:t>𝑥</m:t>
+                                </m:r>
+                              </m:e>
+                            </m:mr>
+                            <m:mr>
+                              <m:e>
+                                <m:r>
+                                  <a:rPr lang="en-US" sz="1400" b="0" i="1" smtClean="0">
+                                    <a:latin typeface="Cambria Math"/>
+                                  </a:rPr>
+                                  <m:t>𝑦</m:t>
+                                </m:r>
+                              </m:e>
+                            </m:mr>
+                          </m:m>
+                        </m:e>
+                      </m:d>
+                    </m:oMath>
+                  </m:oMathPara>
+                </a14:m>
+                <a:endParaRPr lang="en-US" sz="1400" dirty="0"/>
+              </a:p>
+            </p:txBody>
+          </p:sp>
+        </mc:Choice>
+        <mc:Fallback xmlns="">
+          <p:sp>
+            <p:nvSpPr>
+              <p:cNvPr id="23" name="TextBox 22"/>
+              <p:cNvSpPr txBox="1">
+                <a:spLocks noRot="1" noChangeAspect="1" noMove="1" noResize="1" noEditPoints="1" noAdjustHandles="1" noChangeArrowheads="1" noChangeShapeType="1" noTextEdit="1"/>
+              </p:cNvSpPr>
+              <p:nvPr/>
+            </p:nvSpPr>
+            <p:spPr>
+              <a:xfrm>
+                <a:off x="5022434" y="3059515"/>
+                <a:ext cx="819455" cy="452624"/>
+              </a:xfrm>
+              <a:prstGeom prst="rect">
+                <a:avLst/>
+              </a:prstGeom>
+              <a:blipFill rotWithShape="1">
+                <a:blip r:embed="rId6"/>
+                <a:stretch>
+                  <a:fillRect b="-4054"/>
+                </a:stretch>
+              </a:blipFill>
+            </p:spPr>
+            <p:txBody>
+              <a:bodyPr/>
+              <a:lstStyle/>
+              <a:p>
+                <a:r>
+                  <a:rPr lang="en-US">
+                    <a:noFill/>
+                  </a:rPr>
+                  <a:t> </a:t>
+                </a:r>
+              </a:p>
+            </p:txBody>
+          </p:sp>
+        </mc:Fallback>
+      </mc:AlternateContent>
+      <mc:AlternateContent xmlns:mc="http://schemas.openxmlformats.org/markup-compatibility/2006" xmlns:a14="http://schemas.microsoft.com/office/drawing/2010/main">
+        <mc:Choice Requires="a14">
+          <p:sp>
+            <p:nvSpPr>
+              <p:cNvPr id="24" name="TextBox 23"/>
+              <p:cNvSpPr txBox="1"/>
+              <p:nvPr/>
+            </p:nvSpPr>
+            <p:spPr>
+              <a:xfrm>
+                <a:off x="3349625" y="5397698"/>
+                <a:ext cx="655372" cy="307777"/>
+              </a:xfrm>
+              <a:prstGeom prst="rect">
+                <a:avLst/>
+              </a:prstGeom>
+              <a:noFill/>
+            </p:spPr>
+            <p:txBody>
+              <a:bodyPr wrap="none" rtlCol="0">
+                <a:spAutoFit/>
+              </a:bodyPr>
+              <a:lstStyle/>
+              <a:p>
+                <a:pPr/>
+                <a14:m>
+                  <m:oMathPara xmlns:m="http://schemas.openxmlformats.org/officeDocument/2006/math">
+                    <m:oMathParaPr>
+                      <m:jc m:val="centerGroup"/>
+                    </m:oMathParaPr>
+                    <m:oMath xmlns:m="http://schemas.openxmlformats.org/officeDocument/2006/math">
+                      <m:d>
+                        <m:dPr>
+                          <m:ctrlPr>
+                            <a:rPr lang="en-US" sz="1400" i="1" smtClean="0">
+                              <a:latin typeface="Cambria Math"/>
+                            </a:rPr>
+                          </m:ctrlPr>
+                        </m:dPr>
+                        <m:e>
+                          <m:r>
+                            <a:rPr lang="en-US" sz="1400" b="0" i="1" smtClean="0">
+                              <a:latin typeface="Cambria Math"/>
+                            </a:rPr>
+                            <m:t>0, 0</m:t>
+                          </m:r>
+                        </m:e>
+                      </m:d>
+                    </m:oMath>
+                  </m:oMathPara>
+                </a14:m>
+                <a:endParaRPr lang="en-US" sz="1400" dirty="0"/>
+              </a:p>
+            </p:txBody>
+          </p:sp>
+        </mc:Choice>
+        <mc:Fallback xmlns="">
+          <p:sp>
+            <p:nvSpPr>
+              <p:cNvPr id="24" name="TextBox 23"/>
+              <p:cNvSpPr txBox="1">
+                <a:spLocks noRot="1" noChangeAspect="1" noMove="1" noResize="1" noEditPoints="1" noAdjustHandles="1" noChangeArrowheads="1" noChangeShapeType="1" noTextEdit="1"/>
+              </p:cNvSpPr>
+              <p:nvPr/>
+            </p:nvSpPr>
+            <p:spPr>
+              <a:xfrm>
+                <a:off x="3349625" y="5397698"/>
+                <a:ext cx="655372" cy="307777"/>
+              </a:xfrm>
+              <a:prstGeom prst="rect">
+                <a:avLst/>
+              </a:prstGeom>
+              <a:blipFill rotWithShape="1">
+                <a:blip r:embed="rId7"/>
+                <a:stretch>
+                  <a:fillRect/>
+                </a:stretch>
+              </a:blipFill>
+            </p:spPr>
+            <p:txBody>
+              <a:bodyPr/>
+              <a:lstStyle/>
+              <a:p>
+                <a:r>
+                  <a:rPr lang="en-US">
+                    <a:noFill/>
+                  </a:rPr>
+                  <a:t> </a:t>
+                </a:r>
+              </a:p>
+            </p:txBody>
+          </p:sp>
+        </mc:Fallback>
+      </mc:AlternateContent>
+      <p:sp>
+        <p:nvSpPr>
+          <p:cNvPr id="25" name="Oval 24"/>
+          <p:cNvSpPr/>
+          <p:nvPr/>
+        </p:nvSpPr>
+        <p:spPr>
+          <a:xfrm>
+            <a:off x="3343275" y="5656581"/>
+            <a:ext cx="45719" cy="45719"/>
+          </a:xfrm>
+          <a:prstGeom prst="ellipse">
+            <a:avLst/>
+          </a:prstGeom>
+          <a:solidFill>
+            <a:schemeClr val="tx1"/>
+          </a:solidFill>
+          <a:ln>
+            <a:solidFill>
+              <a:schemeClr val="tx1"/>
+            </a:solidFill>
+          </a:ln>
+        </p:spPr>
+        <p:style>
+          <a:lnRef idx="2">
+            <a:schemeClr val="accent1">
+              <a:shade val="50000"/>
+            </a:schemeClr>
+          </a:lnRef>
+          <a:fillRef idx="1">
+            <a:schemeClr val="accent1"/>
+          </a:fillRef>
+          <a:effectRef idx="0">
+            <a:schemeClr val="accent1"/>
+          </a:effectRef>
+          <a:fontRef idx="minor">
+            <a:schemeClr val="lt1"/>
+          </a:fontRef>
+        </p:style>
+        <p:txBody>
+          <a:bodyPr rtlCol="0" anchor="ctr"/>
+          <a:lstStyle/>
+          <a:p>
+            <a:pPr algn="ctr"/>
+            <a:endParaRPr lang="en-US"/>
+          </a:p>
+        </p:txBody>
+      </p:sp>
+      <mc:AlternateContent xmlns:mc="http://schemas.openxmlformats.org/markup-compatibility/2006" xmlns:a14="http://schemas.microsoft.com/office/drawing/2010/main">
+        <mc:Choice Requires="a14">
+          <p:sp>
+            <p:nvSpPr>
+              <p:cNvPr id="26" name="TextBox 25"/>
+              <p:cNvSpPr txBox="1"/>
+              <p:nvPr/>
+            </p:nvSpPr>
+            <p:spPr>
+              <a:xfrm>
+                <a:off x="4402692" y="4038600"/>
+                <a:ext cx="1236108" cy="555601"/>
+              </a:xfrm>
+              <a:prstGeom prst="rect">
+                <a:avLst/>
+              </a:prstGeom>
+              <a:noFill/>
+            </p:spPr>
+            <p:txBody>
+              <a:bodyPr wrap="none" rtlCol="0">
+                <a:spAutoFit/>
+              </a:bodyPr>
+              <a:lstStyle/>
+              <a:p>
+                <a:pPr/>
+                <a:r>
+                  <a:rPr lang="en-US" sz="1400" i="1" dirty="0" smtClean="0"/>
+                  <a:t>Principal point</a:t>
+                </a:r>
+                <a:br>
+                  <a:rPr lang="en-US" sz="1400" i="1" dirty="0" smtClean="0"/>
+                </a:br>
+                <a14:m>
+                  <m:oMathPara xmlns:m="http://schemas.openxmlformats.org/officeDocument/2006/math">
+                    <m:oMathParaPr>
+                      <m:jc m:val="centerGroup"/>
+                    </m:oMathParaPr>
+                    <m:oMath xmlns:m="http://schemas.openxmlformats.org/officeDocument/2006/math">
+                      <m:d>
+                        <m:dPr>
+                          <m:ctrlPr>
+                            <a:rPr lang="en-US" sz="1400" b="0" i="1" smtClean="0">
+                              <a:latin typeface="Cambria Math"/>
+                            </a:rPr>
+                          </m:ctrlPr>
+                        </m:dPr>
+                        <m:e>
+                          <m:sSub>
+                            <m:sSubPr>
+                              <m:ctrlPr>
+                                <a:rPr lang="en-US" sz="1400" b="0" i="1" smtClean="0">
+                                  <a:latin typeface="Cambria Math"/>
+                                </a:rPr>
+                              </m:ctrlPr>
+                            </m:sSubPr>
+                            <m:e>
+                              <m:r>
+                                <a:rPr lang="en-US" sz="1400" b="0" i="1" smtClean="0">
+                                  <a:latin typeface="Cambria Math"/>
+                                </a:rPr>
+                                <m:t>𝑝</m:t>
+                              </m:r>
+                            </m:e>
+                            <m:sub>
+                              <m:r>
+                                <a:rPr lang="en-US" sz="1400" b="0" i="1" smtClean="0">
+                                  <a:latin typeface="Cambria Math"/>
+                                </a:rPr>
+                                <m:t>𝑥</m:t>
+                              </m:r>
+                            </m:sub>
+                          </m:sSub>
+                          <m:r>
+                            <a:rPr lang="en-US" sz="1400" b="0" i="1" smtClean="0">
+                              <a:latin typeface="Cambria Math"/>
+                            </a:rPr>
+                            <m:t>, </m:t>
+                          </m:r>
+                          <m:sSub>
+                            <m:sSubPr>
+                              <m:ctrlPr>
+                                <a:rPr lang="en-US" sz="1400" b="0" i="1" smtClean="0">
+                                  <a:latin typeface="Cambria Math"/>
+                                </a:rPr>
+                              </m:ctrlPr>
+                            </m:sSubPr>
+                            <m:e>
+                              <m:r>
+                                <a:rPr lang="en-US" sz="1400" b="0" i="1" smtClean="0">
+                                  <a:latin typeface="Cambria Math"/>
+                                </a:rPr>
+                                <m:t>𝑝</m:t>
+                              </m:r>
+                            </m:e>
+                            <m:sub>
+                              <m:r>
+                                <a:rPr lang="en-US" sz="1400" b="0" i="1" smtClean="0">
+                                  <a:latin typeface="Cambria Math"/>
+                                </a:rPr>
+                                <m:t>𝑦</m:t>
+                              </m:r>
+                            </m:sub>
+                          </m:sSub>
+                        </m:e>
+                      </m:d>
+                    </m:oMath>
+                  </m:oMathPara>
+                </a14:m>
+                <a:endParaRPr lang="en-US" sz="1400" i="1" dirty="0"/>
+              </a:p>
+            </p:txBody>
+          </p:sp>
+        </mc:Choice>
+        <mc:Fallback xmlns="">
+          <p:sp>
+            <p:nvSpPr>
+              <p:cNvPr id="26" name="TextBox 25"/>
+              <p:cNvSpPr txBox="1">
+                <a:spLocks noRot="1" noChangeAspect="1" noMove="1" noResize="1" noEditPoints="1" noAdjustHandles="1" noChangeArrowheads="1" noChangeShapeType="1" noTextEdit="1"/>
+              </p:cNvSpPr>
+              <p:nvPr/>
+            </p:nvSpPr>
+            <p:spPr>
+              <a:xfrm>
+                <a:off x="4402692" y="4038600"/>
+                <a:ext cx="1236108" cy="555601"/>
+              </a:xfrm>
+              <a:prstGeom prst="rect">
+                <a:avLst/>
+              </a:prstGeom>
+              <a:blipFill rotWithShape="1">
+                <a:blip r:embed="rId8"/>
+                <a:stretch>
+                  <a:fillRect l="-985" t="-1099" r="-985"/>
+                </a:stretch>
+              </a:blipFill>
+            </p:spPr>
+            <p:txBody>
+              <a:bodyPr/>
+              <a:lstStyle/>
+              <a:p>
+                <a:r>
+                  <a:rPr lang="en-US">
+                    <a:noFill/>
+                  </a:rPr>
+                  <a:t> </a:t>
+                </a:r>
+              </a:p>
+            </p:txBody>
+          </p:sp>
+        </mc:Fallback>
+      </mc:AlternateContent>
+      <p:sp>
+        <p:nvSpPr>
+          <p:cNvPr id="28" name="TextBox 27"/>
+          <p:cNvSpPr txBox="1"/>
+          <p:nvPr/>
+        </p:nvSpPr>
+        <p:spPr>
+          <a:xfrm>
+            <a:off x="6088443" y="3251975"/>
+            <a:ext cx="1141659" cy="307777"/>
+          </a:xfrm>
+          <a:prstGeom prst="rect">
+            <a:avLst/>
+          </a:prstGeom>
+          <a:noFill/>
+        </p:spPr>
+        <p:txBody>
+          <a:bodyPr wrap="none" rtlCol="0">
+            <a:spAutoFit/>
+          </a:bodyPr>
+          <a:lstStyle/>
+          <a:p>
+            <a:r>
+              <a:rPr lang="en-US" sz="1400" i="1" dirty="0" smtClean="0"/>
+              <a:t>Principal axis</a:t>
+            </a:r>
+            <a:endParaRPr lang="en-US" sz="1400" i="1" dirty="0"/>
+          </a:p>
+        </p:txBody>
+      </p:sp>
+      <p:cxnSp>
+        <p:nvCxnSpPr>
+          <p:cNvPr id="29" name="Straight Arrow Connector 28"/>
+          <p:cNvCxnSpPr/>
+          <p:nvPr/>
+        </p:nvCxnSpPr>
+        <p:spPr>
+          <a:xfrm flipH="1">
+            <a:off x="5943600" y="3512139"/>
+            <a:ext cx="379808" cy="443207"/>
+          </a:xfrm>
+          <a:prstGeom prst="straightConnector1">
+            <a:avLst/>
+          </a:prstGeom>
+          <a:ln>
+            <a:prstDash val="sysDot"/>
+            <a:tailEnd type="arrow"/>
+          </a:ln>
+        </p:spPr>
+        <p:style>
+          <a:lnRef idx="1">
+            <a:schemeClr val="accent1"/>
+          </a:lnRef>
+          <a:fillRef idx="0">
+            <a:schemeClr val="accent1"/>
+          </a:fillRef>
+          <a:effectRef idx="0">
+            <a:schemeClr val="accent1"/>
+          </a:effectRef>
+          <a:fontRef idx="minor">
+            <a:schemeClr val="tx1"/>
+          </a:fontRef>
+        </p:style>
+      </p:cxnSp>
+      <p:cxnSp>
+        <p:nvCxnSpPr>
+          <p:cNvPr id="30" name="Straight Arrow Connector 29"/>
+          <p:cNvCxnSpPr/>
+          <p:nvPr/>
+        </p:nvCxnSpPr>
+        <p:spPr>
+          <a:xfrm>
+            <a:off x="2597149" y="3695700"/>
+            <a:ext cx="1954372" cy="0"/>
+          </a:xfrm>
+          <a:prstGeom prst="straightConnector1">
+            <a:avLst/>
+          </a:prstGeom>
+          <a:ln>
+            <a:prstDash val="sysDot"/>
+            <a:headEnd type="arrow"/>
+            <a:tailEnd type="arrow"/>
+          </a:ln>
+        </p:spPr>
+        <p:style>
+          <a:lnRef idx="1">
+            <a:schemeClr val="accent1"/>
+          </a:lnRef>
+          <a:fillRef idx="0">
+            <a:schemeClr val="accent1"/>
+          </a:fillRef>
+          <a:effectRef idx="0">
+            <a:schemeClr val="accent1"/>
+          </a:effectRef>
+          <a:fontRef idx="minor">
+            <a:schemeClr val="tx1"/>
+          </a:fontRef>
+        </p:style>
+      </p:cxnSp>
+      <mc:AlternateContent xmlns:mc="http://schemas.openxmlformats.org/markup-compatibility/2006" xmlns:a14="http://schemas.microsoft.com/office/drawing/2010/main">
+        <mc:Choice Requires="a14">
+          <p:sp>
+            <p:nvSpPr>
+              <p:cNvPr id="31" name="TextBox 30"/>
+              <p:cNvSpPr txBox="1"/>
+              <p:nvPr/>
+            </p:nvSpPr>
+            <p:spPr>
+              <a:xfrm>
+                <a:off x="3427900" y="3411676"/>
+                <a:ext cx="329386" cy="307777"/>
+              </a:xfrm>
+              <a:prstGeom prst="rect">
+                <a:avLst/>
+              </a:prstGeom>
+              <a:noFill/>
+            </p:spPr>
+            <p:txBody>
+              <a:bodyPr wrap="none" rtlCol="0">
+                <a:spAutoFit/>
+              </a:bodyPr>
+              <a:lstStyle/>
+              <a:p>
+                <a:pPr/>
+                <a14:m>
+                  <m:oMathPara xmlns:m="http://schemas.openxmlformats.org/officeDocument/2006/math">
+                    <m:oMathParaPr>
+                      <m:jc m:val="centerGroup"/>
+                    </m:oMathParaPr>
+                    <m:oMath xmlns:m="http://schemas.openxmlformats.org/officeDocument/2006/math">
+                      <m:r>
+                        <a:rPr lang="en-US" sz="1400" b="0" i="1" dirty="0" smtClean="0">
+                          <a:latin typeface="Cambria Math"/>
+                        </a:rPr>
+                        <m:t>𝑓</m:t>
+                      </m:r>
+                    </m:oMath>
+                  </m:oMathPara>
+                </a14:m>
+                <a:endParaRPr lang="en-US" sz="1400" i="1" dirty="0"/>
+              </a:p>
+            </p:txBody>
+          </p:sp>
+        </mc:Choice>
+        <mc:Fallback xmlns="">
+          <p:sp>
+            <p:nvSpPr>
+              <p:cNvPr id="31" name="TextBox 30"/>
+              <p:cNvSpPr txBox="1">
+                <a:spLocks noRot="1" noChangeAspect="1" noMove="1" noResize="1" noEditPoints="1" noAdjustHandles="1" noChangeArrowheads="1" noChangeShapeType="1" noTextEdit="1"/>
+              </p:cNvSpPr>
+              <p:nvPr/>
+            </p:nvSpPr>
+            <p:spPr>
+              <a:xfrm>
+                <a:off x="3427900" y="3411676"/>
+                <a:ext cx="329386" cy="307777"/>
+              </a:xfrm>
+              <a:prstGeom prst="rect">
+                <a:avLst/>
+              </a:prstGeom>
+              <a:blipFill rotWithShape="1">
+                <a:blip r:embed="rId9"/>
+                <a:stretch>
+                  <a:fillRect b="-8000"/>
+                </a:stretch>
+              </a:blipFill>
+            </p:spPr>
+            <p:txBody>
+              <a:bodyPr/>
+              <a:lstStyle/>
+              <a:p>
+                <a:r>
+                  <a:rPr lang="en-US">
+                    <a:noFill/>
+                  </a:rPr>
+                  <a:t> </a:t>
+                </a:r>
+              </a:p>
+            </p:txBody>
+          </p:sp>
+        </mc:Fallback>
+      </mc:AlternateContent>
+      <p:cxnSp>
+        <p:nvCxnSpPr>
+          <p:cNvPr id="33" name="Straight Arrow Connector 32"/>
+          <p:cNvCxnSpPr/>
+          <p:nvPr/>
+        </p:nvCxnSpPr>
+        <p:spPr>
+          <a:xfrm flipV="1">
+            <a:off x="3357761" y="5099050"/>
+            <a:ext cx="795139" cy="581160"/>
+          </a:xfrm>
+          <a:prstGeom prst="straightConnector1">
+            <a:avLst/>
+          </a:prstGeom>
+          <a:ln>
+            <a:solidFill>
+              <a:schemeClr val="tx1"/>
+            </a:solidFill>
+            <a:tailEnd type="arrow"/>
+          </a:ln>
+        </p:spPr>
+        <p:style>
+          <a:lnRef idx="1">
+            <a:schemeClr val="accent1"/>
+          </a:lnRef>
+          <a:fillRef idx="0">
+            <a:schemeClr val="accent1"/>
+          </a:fillRef>
+          <a:effectRef idx="0">
+            <a:schemeClr val="accent1"/>
+          </a:effectRef>
+          <a:fontRef idx="minor">
+            <a:schemeClr val="tx1"/>
+          </a:fontRef>
+        </p:style>
+      </p:cxnSp>
+      <p:cxnSp>
+        <p:nvCxnSpPr>
+          <p:cNvPr id="36" name="Straight Arrow Connector 35"/>
+          <p:cNvCxnSpPr/>
+          <p:nvPr/>
+        </p:nvCxnSpPr>
+        <p:spPr>
+          <a:xfrm flipV="1">
+            <a:off x="3366134" y="4794115"/>
+            <a:ext cx="0" cy="879610"/>
+          </a:xfrm>
+          <a:prstGeom prst="straightConnector1">
+            <a:avLst/>
+          </a:prstGeom>
+          <a:ln>
+            <a:solidFill>
+              <a:schemeClr val="tx1"/>
+            </a:solidFill>
+            <a:tailEnd type="arrow"/>
+          </a:ln>
+        </p:spPr>
+        <p:style>
+          <a:lnRef idx="1">
+            <a:schemeClr val="accent1"/>
+          </a:lnRef>
+          <a:fillRef idx="0">
+            <a:schemeClr val="accent1"/>
+          </a:fillRef>
+          <a:effectRef idx="0">
+            <a:schemeClr val="accent1"/>
+          </a:effectRef>
+          <a:fontRef idx="minor">
+            <a:schemeClr val="tx1"/>
+          </a:fontRef>
+        </p:style>
+      </p:cxnSp>
+      <mc:AlternateContent xmlns:mc="http://schemas.openxmlformats.org/markup-compatibility/2006" xmlns:a14="http://schemas.microsoft.com/office/drawing/2010/main">
+        <mc:Choice Requires="a14">
+          <p:sp>
+            <p:nvSpPr>
+              <p:cNvPr id="38" name="TextBox 37"/>
+              <p:cNvSpPr txBox="1"/>
+              <p:nvPr/>
+            </p:nvSpPr>
+            <p:spPr>
+              <a:xfrm>
+                <a:off x="4057430" y="5054631"/>
+                <a:ext cx="326371" cy="307777"/>
+              </a:xfrm>
+              <a:prstGeom prst="rect">
+                <a:avLst/>
+              </a:prstGeom>
+              <a:noFill/>
+            </p:spPr>
+            <p:txBody>
+              <a:bodyPr wrap="none" rtlCol="0">
+                <a:spAutoFit/>
+              </a:bodyPr>
+              <a:lstStyle/>
+              <a:p>
+                <a:pPr/>
+                <a14:m>
+                  <m:oMathPara xmlns:m="http://schemas.openxmlformats.org/officeDocument/2006/math">
+                    <m:oMathParaPr>
+                      <m:jc m:val="centerGroup"/>
+                    </m:oMathParaPr>
+                    <m:oMath xmlns:m="http://schemas.openxmlformats.org/officeDocument/2006/math">
+                      <m:r>
+                        <a:rPr lang="en-US" sz="1400" b="0" i="1" dirty="0" smtClean="0">
+                          <a:latin typeface="Cambria Math"/>
+                        </a:rPr>
+                        <m:t>𝑥</m:t>
+                      </m:r>
+                    </m:oMath>
+                  </m:oMathPara>
+                </a14:m>
+                <a:endParaRPr lang="en-US" sz="1400" i="1" dirty="0"/>
+              </a:p>
+            </p:txBody>
+          </p:sp>
+        </mc:Choice>
+        <mc:Fallback xmlns="">
+          <p:sp>
+            <p:nvSpPr>
+              <p:cNvPr id="38" name="TextBox 37"/>
+              <p:cNvSpPr txBox="1">
+                <a:spLocks noRot="1" noChangeAspect="1" noMove="1" noResize="1" noEditPoints="1" noAdjustHandles="1" noChangeArrowheads="1" noChangeShapeType="1" noTextEdit="1"/>
+              </p:cNvSpPr>
+              <p:nvPr/>
+            </p:nvSpPr>
+            <p:spPr>
+              <a:xfrm>
+                <a:off x="4057430" y="5054631"/>
+                <a:ext cx="326371" cy="307777"/>
+              </a:xfrm>
+              <a:prstGeom prst="rect">
+                <a:avLst/>
+              </a:prstGeom>
+              <a:blipFill rotWithShape="1">
+                <a:blip r:embed="rId10"/>
+                <a:stretch>
+                  <a:fillRect/>
+                </a:stretch>
+              </a:blipFill>
+            </p:spPr>
+            <p:txBody>
+              <a:bodyPr/>
+              <a:lstStyle/>
+              <a:p>
+                <a:r>
+                  <a:rPr lang="en-US">
+                    <a:noFill/>
+                  </a:rPr>
+                  <a:t> </a:t>
+                </a:r>
+              </a:p>
+            </p:txBody>
+          </p:sp>
+        </mc:Fallback>
+      </mc:AlternateContent>
+      <mc:AlternateContent xmlns:mc="http://schemas.openxmlformats.org/markup-compatibility/2006" xmlns:a14="http://schemas.microsoft.com/office/drawing/2010/main">
+        <mc:Choice Requires="a14">
+          <p:sp>
+            <p:nvSpPr>
+              <p:cNvPr id="39" name="TextBox 38"/>
+              <p:cNvSpPr txBox="1"/>
+              <p:nvPr/>
+            </p:nvSpPr>
+            <p:spPr>
+              <a:xfrm>
+                <a:off x="3088829" y="4610100"/>
+                <a:ext cx="326371" cy="307777"/>
+              </a:xfrm>
+              <a:prstGeom prst="rect">
+                <a:avLst/>
+              </a:prstGeom>
+              <a:noFill/>
+            </p:spPr>
+            <p:txBody>
+              <a:bodyPr wrap="none" rtlCol="0">
+                <a:spAutoFit/>
+              </a:bodyPr>
+              <a:lstStyle/>
+              <a:p>
+                <a:pPr/>
+                <a14:m>
+                  <m:oMathPara xmlns:m="http://schemas.openxmlformats.org/officeDocument/2006/math">
+                    <m:oMathParaPr>
+                      <m:jc m:val="centerGroup"/>
+                    </m:oMathParaPr>
+                    <m:oMath xmlns:m="http://schemas.openxmlformats.org/officeDocument/2006/math">
+                      <m:r>
+                        <a:rPr lang="en-US" sz="1400" b="0" i="1" dirty="0" smtClean="0">
+                          <a:latin typeface="Cambria Math"/>
+                        </a:rPr>
+                        <m:t>𝑦</m:t>
+                      </m:r>
+                    </m:oMath>
+                  </m:oMathPara>
+                </a14:m>
+                <a:endParaRPr lang="en-US" sz="1400" i="1" dirty="0"/>
+              </a:p>
+            </p:txBody>
+          </p:sp>
+        </mc:Choice>
+        <mc:Fallback xmlns="">
+          <p:sp>
+            <p:nvSpPr>
+              <p:cNvPr id="39" name="TextBox 38"/>
+              <p:cNvSpPr txBox="1">
+                <a:spLocks noRot="1" noChangeAspect="1" noMove="1" noResize="1" noEditPoints="1" noAdjustHandles="1" noChangeArrowheads="1" noChangeShapeType="1" noTextEdit="1"/>
+              </p:cNvSpPr>
+              <p:nvPr/>
+            </p:nvSpPr>
+            <p:spPr>
+              <a:xfrm>
+                <a:off x="3088829" y="4610100"/>
+                <a:ext cx="326371" cy="307777"/>
+              </a:xfrm>
+              <a:prstGeom prst="rect">
+                <a:avLst/>
+              </a:prstGeom>
+              <a:blipFill rotWithShape="1">
+                <a:blip r:embed="rId11"/>
+                <a:stretch>
+                  <a:fillRect/>
+                </a:stretch>
+              </a:blipFill>
+            </p:spPr>
+            <p:txBody>
+              <a:bodyPr/>
+              <a:lstStyle/>
+              <a:p>
+                <a:r>
+                  <a:rPr lang="en-US">
+                    <a:noFill/>
+                  </a:rPr>
+                  <a:t> </a:t>
+                </a:r>
+              </a:p>
+            </p:txBody>
+          </p:sp>
+        </mc:Fallback>
+      </mc:AlternateContent>
+    </p:spTree>
+    <p:extLst>
+      <p:ext uri="{BB962C8B-B14F-4D97-AF65-F5344CB8AC3E}">
+        <p14:creationId xmlns:p14="http://schemas.microsoft.com/office/powerpoint/2010/main" val="3385522686"/>
+      </p:ext>
+    </p:extLst>
+  </p:cSld>
+  <p:clrMapOvr>
+    <a:masterClrMapping/>
+  </p:clrMapOvr>
+  <p:timing>
+    <p:tnLst>
+      <p:par>
+        <p:cTn id="1" dur="indefinite" restart="never" nodeType="tmRoot"/>
+      </p:par>
+    </p:tnLst>
+  </p:timing>
+</p:sld>
+</file>
+
+<file path=ppt/slides/slide2.xml><?xml version="1.0" encoding="utf-8"?>
+<p:sld xmlns:a="http://schemas.openxmlformats.org/drawingml/2006/main" xmlns:r="http://schemas.openxmlformats.org/officeDocument/2006/relationships" xmlns:p="http://schemas.openxmlformats.org/presentationml/2006/main">
+  <p:cSld>
+    <p:spTree>
+      <p:nvGrpSpPr>
+        <p:cNvPr id="1" name=""/>
+        <p:cNvGrpSpPr/>
+        <p:nvPr/>
+      </p:nvGrpSpPr>
+      <p:grpSpPr>
+        <a:xfrm>
+          <a:off x="0" y="0"/>
+          <a:ext cx="0" cy="0"/>
+          <a:chOff x="0" y="0"/>
+          <a:chExt cx="0" cy="0"/>
+        </a:xfrm>
+      </p:grpSpPr>
       <p:sp>
         <p:nvSpPr>
           <p:cNvPr id="57" name="Freeform 56"/>
@@ -3186,8 +5103,8 @@
           </a:p>
         </p:txBody>
       </p:sp>
-      <mc:AlternateContent xmlns:mc="http://schemas.openxmlformats.org/markup-compatibility/2006">
-        <mc:Choice xmlns:a14="http://schemas.microsoft.com/office/drawing/2010/main" Requires="a14">
+      <mc:AlternateContent xmlns:mc="http://schemas.openxmlformats.org/markup-compatibility/2006" xmlns:a14="http://schemas.microsoft.com/office/drawing/2010/main">
+        <mc:Choice Requires="a14">
           <p:sp>
             <p:nvSpPr>
               <p:cNvPr id="38" name="TextBox 37"/>
@@ -3252,7 +5169,7 @@
             </p:txBody>
           </p:sp>
         </mc:Choice>
-        <mc:Fallback>
+        <mc:Fallback xmlns="">
           <p:sp>
             <p:nvSpPr>
               <p:cNvPr id="38" name="TextBox 37"/>
@@ -3478,7 +5395,7 @@
             <p:spPr>
               <a:xfrm>
                 <a:off x="4027961" y="1638816"/>
-                <a:ext cx="355162" cy="276999"/>
+                <a:ext cx="323101" cy="276999"/>
               </a:xfrm>
               <a:prstGeom prst="rect">
                 <a:avLst/>
@@ -3491,6 +5408,7 @@
               </a:bodyPr>
               <a:lstStyle/>
               <a:p>
+                <a:pPr/>
                 <a14:m>
                   <m:oMathPara xmlns:m="http://schemas.openxmlformats.org/officeDocument/2006/math">
                     <m:oMathParaPr>
@@ -3498,15 +5416,15 @@
                     </m:oMathParaPr>
                     <m:oMath xmlns:m="http://schemas.openxmlformats.org/officeDocument/2006/math">
                       <m:r>
-                        <a:rPr lang="en-US" sz="1200" b="0" i="1" smtClean="0">
+                        <a:rPr lang="en-US" sz="1200" b="1" i="1" smtClean="0">
                           <a:latin typeface="Cambria Math"/>
                         </a:rPr>
-                        <m:t>𝑀</m:t>
+                        <m:t>𝑿</m:t>
                       </m:r>
                     </m:oMath>
                   </m:oMathPara>
                 </a14:m>
-                <a:endParaRPr lang="en-US" sz="1200" dirty="0"/>
+                <a:endParaRPr lang="en-US" sz="1200" b="1" dirty="0"/>
               </a:p>
             </p:txBody>
           </p:sp>
@@ -3523,7 +5441,7 @@
             <p:spPr>
               <a:xfrm>
                 <a:off x="4027961" y="1638816"/>
-                <a:ext cx="355162" cy="276999"/>
+                <a:ext cx="323101" cy="276999"/>
               </a:xfrm>
               <a:prstGeom prst="rect">
                 <a:avLst/>
@@ -3598,8 +5516,8 @@
           </a:p>
         </p:txBody>
       </p:sp>
-      <mc:AlternateContent xmlns:mc="http://schemas.openxmlformats.org/markup-compatibility/2006">
-        <mc:Choice xmlns:a14="http://schemas.microsoft.com/office/drawing/2010/main" Requires="a14">
+      <mc:AlternateContent xmlns:mc="http://schemas.openxmlformats.org/markup-compatibility/2006" xmlns:a14="http://schemas.microsoft.com/office/drawing/2010/main">
+        <mc:Choice Requires="a14">
           <p:sp>
             <p:nvSpPr>
               <p:cNvPr id="20" name="TextBox 19"/>
@@ -3622,6 +5540,7 @@
               </a:bodyPr>
               <a:lstStyle/>
               <a:p>
+                <a:pPr/>
                 <a14:m>
                   <m:oMathPara xmlns:m="http://schemas.openxmlformats.org/officeDocument/2006/math">
                     <m:oMathParaPr>
@@ -3661,7 +5580,7 @@
             </p:txBody>
           </p:sp>
         </mc:Choice>
-        <mc:Fallback>
+        <mc:Fallback xmlns="">
           <p:sp>
             <p:nvSpPr>
               <p:cNvPr id="20" name="TextBox 19"/>
@@ -3700,8 +5619,8 @@
           </p:sp>
         </mc:Fallback>
       </mc:AlternateContent>
-      <mc:AlternateContent xmlns:mc="http://schemas.openxmlformats.org/markup-compatibility/2006">
-        <mc:Choice xmlns:a14="http://schemas.microsoft.com/office/drawing/2010/main" Requires="a14">
+      <mc:AlternateContent xmlns:mc="http://schemas.openxmlformats.org/markup-compatibility/2006" xmlns:a14="http://schemas.microsoft.com/office/drawing/2010/main">
+        <mc:Choice Requires="a14">
           <p:sp>
             <p:nvSpPr>
               <p:cNvPr id="21" name="TextBox 20"/>
@@ -3724,6 +5643,7 @@
               </a:bodyPr>
               <a:lstStyle/>
               <a:p>
+                <a:pPr/>
                 <a14:m>
                   <m:oMathPara xmlns:m="http://schemas.openxmlformats.org/officeDocument/2006/math">
                     <m:oMathParaPr>
@@ -3763,7 +5683,7 @@
             </p:txBody>
           </p:sp>
         </mc:Choice>
-        <mc:Fallback>
+        <mc:Fallback xmlns="">
           <p:sp>
             <p:nvSpPr>
               <p:cNvPr id="21" name="TextBox 20"/>
@@ -3802,8 +5722,8 @@
           </p:sp>
         </mc:Fallback>
       </mc:AlternateContent>
-      <mc:AlternateContent xmlns:mc="http://schemas.openxmlformats.org/markup-compatibility/2006">
-        <mc:Choice xmlns:a14="http://schemas.microsoft.com/office/drawing/2010/main" Requires="a14">
+      <mc:AlternateContent xmlns:mc="http://schemas.openxmlformats.org/markup-compatibility/2006" xmlns:a14="http://schemas.microsoft.com/office/drawing/2010/main">
+        <mc:Choice Requires="a14">
           <p:sp>
             <p:nvSpPr>
               <p:cNvPr id="39" name="TextBox 38"/>
@@ -3868,7 +5788,7 @@
             </p:txBody>
           </p:sp>
         </mc:Choice>
-        <mc:Fallback>
+        <mc:Fallback xmlns="">
           <p:sp>
             <p:nvSpPr>
               <p:cNvPr id="39" name="TextBox 38"/>
@@ -3917,8 +5837,8 @@
             </p:nvSpPr>
             <p:spPr>
               <a:xfrm>
-                <a:off x="2916240" y="2514600"/>
-                <a:ext cx="416716" cy="276999"/>
+                <a:off x="2946720" y="2514600"/>
+                <a:ext cx="376642" cy="276999"/>
               </a:xfrm>
               <a:prstGeom prst="rect">
                 <a:avLst/>
@@ -3931,6 +5851,7 @@
               </a:bodyPr>
               <a:lstStyle/>
               <a:p>
+                <a:pPr/>
                 <a14:m>
                   <m:oMathPara xmlns:m="http://schemas.openxmlformats.org/officeDocument/2006/math">
                     <m:oMathParaPr>
@@ -3947,10 +5868,10 @@
                         </m:sSubPr>
                         <m:e>
                           <m:r>
-                            <a:rPr lang="en-US" sz="1200" b="0" i="1" smtClean="0">
+                            <a:rPr lang="en-US" sz="1200" b="1" i="1" smtClean="0">
                               <a:latin typeface="Cambria Math"/>
                             </a:rPr>
-                            <m:t>𝑚</m:t>
+                            <m:t>𝒙</m:t>
                           </m:r>
                         </m:e>
                         <m:sub>
@@ -3981,8 +5902,8 @@
             </p:nvSpPr>
             <p:spPr>
               <a:xfrm>
-                <a:off x="2916240" y="2514600"/>
-                <a:ext cx="416716" cy="276999"/>
+                <a:off x="2946720" y="2514600"/>
+                <a:ext cx="376642" cy="276999"/>
               </a:xfrm>
               <a:prstGeom prst="rect">
                 <a:avLst/>
@@ -4020,7 +5941,7 @@
             <p:spPr>
               <a:xfrm>
                 <a:off x="5294693" y="2586851"/>
-                <a:ext cx="420307" cy="276999"/>
+                <a:ext cx="380232" cy="276999"/>
               </a:xfrm>
               <a:prstGeom prst="rect">
                 <a:avLst/>
@@ -4033,6 +5954,7 @@
               </a:bodyPr>
               <a:lstStyle/>
               <a:p>
+                <a:pPr/>
                 <a14:m>
                   <m:oMathPara xmlns:m="http://schemas.openxmlformats.org/officeDocument/2006/math">
                     <m:oMathParaPr>
@@ -4049,10 +5971,10 @@
                         </m:sSubPr>
                         <m:e>
                           <m:r>
-                            <a:rPr lang="en-US" sz="1200" b="0" i="1" smtClean="0">
+                            <a:rPr lang="en-US" sz="1200" b="1" i="1" smtClean="0">
                               <a:latin typeface="Cambria Math"/>
                             </a:rPr>
-                            <m:t>𝑚</m:t>
+                            <m:t>𝒙</m:t>
                           </m:r>
                         </m:e>
                         <m:sub>
@@ -4084,7 +6006,7 @@
             <p:spPr>
               <a:xfrm>
                 <a:off x="5294693" y="2586851"/>
-                <a:ext cx="420307" cy="276999"/>
+                <a:ext cx="380232" cy="276999"/>
               </a:xfrm>
               <a:prstGeom prst="rect">
                 <a:avLst/>
@@ -4189,8 +6111,8 @@
           </a:fontRef>
         </p:style>
       </p:cxnSp>
-      <mc:AlternateContent xmlns:mc="http://schemas.openxmlformats.org/markup-compatibility/2006">
-        <mc:Choice xmlns:a14="http://schemas.microsoft.com/office/drawing/2010/main" Requires="a14">
+      <mc:AlternateContent xmlns:mc="http://schemas.openxmlformats.org/markup-compatibility/2006" xmlns:a14="http://schemas.microsoft.com/office/drawing/2010/main">
+        <mc:Choice Requires="a14">
           <p:sp>
             <p:nvSpPr>
               <p:cNvPr id="42" name="TextBox 41"/>
@@ -4268,7 +6190,7 @@
             </p:txBody>
           </p:sp>
         </mc:Choice>
-        <mc:Fallback>
+        <mc:Fallback xmlns="">
           <p:sp>
             <p:nvSpPr>
               <p:cNvPr id="42" name="TextBox 41"/>
@@ -4307,8 +6229,8 @@
           </p:sp>
         </mc:Fallback>
       </mc:AlternateContent>
-      <mc:AlternateContent xmlns:mc="http://schemas.openxmlformats.org/markup-compatibility/2006">
-        <mc:Choice xmlns:a14="http://schemas.microsoft.com/office/drawing/2010/main" Requires="a14">
+      <mc:AlternateContent xmlns:mc="http://schemas.openxmlformats.org/markup-compatibility/2006" xmlns:a14="http://schemas.microsoft.com/office/drawing/2010/main">
+        <mc:Choice Requires="a14">
           <p:sp>
             <p:nvSpPr>
               <p:cNvPr id="43" name="TextBox 42"/>
@@ -4386,7 +6308,7 @@
             </p:txBody>
           </p:sp>
         </mc:Choice>
-        <mc:Fallback>
+        <mc:Fallback xmlns="">
           <p:sp>
             <p:nvSpPr>
               <p:cNvPr id="43" name="TextBox 42"/>
@@ -4473,8 +6395,8 @@
           </a:p>
         </p:txBody>
       </p:sp>
-      <mc:AlternateContent xmlns:mc="http://schemas.openxmlformats.org/markup-compatibility/2006">
-        <mc:Choice xmlns:a14="http://schemas.microsoft.com/office/drawing/2010/main" Requires="a14">
+      <mc:AlternateContent xmlns:mc="http://schemas.openxmlformats.org/markup-compatibility/2006" xmlns:a14="http://schemas.microsoft.com/office/drawing/2010/main">
+        <mc:Choice Requires="a14">
           <p:sp>
             <p:nvSpPr>
               <p:cNvPr id="54" name="TextBox 53"/>
@@ -4497,6 +6419,7 @@
               </a:bodyPr>
               <a:lstStyle/>
               <a:p>
+                <a:pPr/>
                 <a14:m>
                   <m:oMathPara xmlns:m="http://schemas.openxmlformats.org/officeDocument/2006/math">
                     <m:oMathParaPr>
@@ -4518,7 +6441,7 @@
             </p:txBody>
           </p:sp>
         </mc:Choice>
-        <mc:Fallback>
+        <mc:Fallback xmlns="">
           <p:sp>
             <p:nvSpPr>
               <p:cNvPr id="54" name="TextBox 53"/>
@@ -4557,8 +6480,8 @@
           </p:sp>
         </mc:Fallback>
       </mc:AlternateContent>
-      <mc:AlternateContent xmlns:mc="http://schemas.openxmlformats.org/markup-compatibility/2006">
-        <mc:Choice xmlns:a14="http://schemas.microsoft.com/office/drawing/2010/main" Requires="a14">
+      <mc:AlternateContent xmlns:mc="http://schemas.openxmlformats.org/markup-compatibility/2006" xmlns:a14="http://schemas.microsoft.com/office/drawing/2010/main">
+        <mc:Choice Requires="a14">
           <p:sp>
             <p:nvSpPr>
               <p:cNvPr id="55" name="TextBox 54"/>
@@ -4581,6 +6504,7 @@
               </a:bodyPr>
               <a:lstStyle/>
               <a:p>
+                <a:pPr/>
                 <a14:m>
                   <m:oMathPara xmlns:m="http://schemas.openxmlformats.org/officeDocument/2006/math">
                     <m:oMathParaPr>
@@ -4602,7 +6526,7 @@
             </p:txBody>
           </p:sp>
         </mc:Choice>
-        <mc:Fallback>
+        <mc:Fallback xmlns="">
           <p:sp>
             <p:nvSpPr>
               <p:cNvPr id="55" name="TextBox 54"/>
@@ -5253,6 +7177,13 @@
   <p:clrMapOvr>
     <a:masterClrMapping/>
   </p:clrMapOvr>
+  <p:timing>
+    <p:tnLst>
+      <p:par>
+        <p:cTn id="1" dur="indefinite" restart="never" nodeType="tmRoot"/>
+      </p:par>
+    </p:tnLst>
+  </p:timing>
 </p:sld>
 </file>
 
